--- a/emotional erwachsen/Family (FAM)/ger_FAM_03_Aufeinander_hoeren.pptx
+++ b/emotional erwachsen/Family (FAM)/ger_FAM_03_Aufeinander_hoeren.pptx
@@ -1900,7 +1900,15 @@
             </a:r>
             <a:r>
               <a:rPr lang="de-DE" dirty="0"/>
-              <a:t>(FAM 01 „Wie wollen wir miteinander umgehen?“ ) </a:t>
+              <a:t>(FAM 01 „Wie wollen wir </a:t>
+            </a:r>
+            <a:r>
+              <a:rPr lang="de-DE" dirty="0" smtClean="0"/>
+              <a:t>zusammenleben?</a:t>
+            </a:r>
+            <a:r>
+              <a:rPr lang="de-DE" dirty="0"/>
+              <a:t>“ ) </a:t>
             </a:r>
             <a:r>
               <a:rPr lang="de-DE" dirty="0" smtClean="0"/>
@@ -1918,7 +1926,15 @@
             </a:pPr>
             <a:r>
               <a:rPr lang="de-DE" dirty="0" smtClean="0"/>
-              <a:t>In diesen Meetings werden die Wahrnehmungen der vergangenen Woche zum Umgang mit den vereinbarten Regeln besprochen. Die Beobachtungen sollen sich an möglichst konkrete Ereignissen festmachen. Sehr hilfreich ist dabei eine </a:t>
+              <a:t>In diesen Meetings werden die Wahrnehmungen der vergangenen Woche zum Umgang mit den vereinbarten Regeln besprochen. Die Beobachtungen sollen sich an möglichst </a:t>
+            </a:r>
+            <a:r>
+              <a:rPr lang="de-DE" dirty="0" smtClean="0"/>
+              <a:t>konkreten </a:t>
+            </a:r>
+            <a:r>
+              <a:rPr lang="de-DE" dirty="0" smtClean="0"/>
+              <a:t>Ereignissen festmachen. Sehr hilfreich ist dabei eine </a:t>
             </a:r>
             <a:r>
               <a:rPr lang="de-DE" dirty="0" err="1" smtClean="0"/>
@@ -1992,7 +2008,15 @@
             </a:pPr>
             <a:r>
               <a:rPr lang="de-DE" dirty="0" smtClean="0"/>
-              <a:t>Zum Schluss der Besprechung muss jeder eine Bewertung abgeben, wie gut er sich in diesem Meeting verstanden gefühlt hat und wie sehr er das Gefühl hat, dass das , was er gesagt hat, gehört wurde und auf Resonanz gestoßen ist. Die </a:t>
+              <a:t>Zum Schluss der Besprechung muss jeder eine Bewertung abgeben, wie gut er sich in diesem Meeting verstanden gefühlt hat und wie sehr er das Gefühl hat, dass </a:t>
+            </a:r>
+            <a:r>
+              <a:rPr lang="de-DE" dirty="0" smtClean="0"/>
+              <a:t>das, </a:t>
+            </a:r>
+            <a:r>
+              <a:rPr lang="de-DE" dirty="0" smtClean="0"/>
+              <a:t>was er gesagt hat, gehört wurde und auf Resonanz gestoßen ist. Die </a:t>
             </a:r>
             <a:r>
               <a:rPr lang="de-DE" dirty="0"/>
@@ -2250,7 +2274,31 @@
             </a:pPr>
             <a:r>
               <a:rPr lang="de-DE" sz="900" dirty="0" smtClean="0"/>
-              <a:t>Überlegt, ob die Regeln der Familienverfassung noch für alle so in Ordnung sind und für eine weitere Woche so bestehen bleiben sollen oder ggf. welche Änderungen erfolgen sollen. Wichtig ist hier wieder, das es eine Konsensentscheidung ist und die Perspektiven so lange ausgetauscht werden, bis Einstimmigkeit erreicht wird. Es geht darum, die Standpunkte der anderen wirklich zu verstehen und zu einer gemeinsamen Lösung zu kommen.</a:t>
+              <a:t>Überlegt, ob die Regeln der Familienverfassung noch für alle so in Ordnung sind und für eine weitere Woche so bestehen bleiben sollen oder ggf. welche Änderungen erfolgen sollen. Wichtig ist hier wieder, das es eine Konsensentscheidung ist und die Perspektiven so lange ausgetauscht werden, bis Einstimmigkeit erreicht wird. Es geht darum, die Standpunkte der anderen wirklich zu verstehen </a:t>
+            </a:r>
+            <a:r>
+              <a:rPr lang="de-DE" sz="900" smtClean="0"/>
+              <a:t>und </a:t>
+            </a:r>
+            <a:r>
+              <a:rPr lang="de-DE" sz="900" smtClean="0"/>
+              <a:t>darüber zu </a:t>
+            </a:r>
+            <a:r>
+              <a:rPr lang="de-DE" sz="900" dirty="0" smtClean="0"/>
+              <a:t>einem </a:t>
+            </a:r>
+            <a:r>
+              <a:rPr lang="de-DE" sz="900" dirty="0" smtClean="0"/>
+              <a:t>gemeinsamen </a:t>
+            </a:r>
+            <a:r>
+              <a:rPr lang="de-DE" sz="900" dirty="0" smtClean="0"/>
+              <a:t>Verständnis zu </a:t>
+            </a:r>
+            <a:r>
+              <a:rPr lang="de-DE" sz="900" dirty="0" smtClean="0"/>
+              <a:t>kommen.</a:t>
             </a:r>
           </a:p>
           <a:p>
@@ -2275,12 +2323,12 @@
               <a:t>habe ich mich verstanden </a:t>
             </a:r>
             <a:r>
-              <a:rPr lang="de-DE" sz="900" dirty="0"/>
-              <a:t>gefühlt hat </a:t>
-            </a:r>
-            <a:r>
-              <a:rPr lang="de-DE" sz="900" dirty="0" smtClean="0"/>
-              <a:t>bin gehört worden?“</a:t>
+              <a:rPr lang="de-DE" sz="900" dirty="0" smtClean="0"/>
+              <a:t>gefühlt? Wie gut bin ich gehört </a:t>
+            </a:r>
+            <a:r>
+              <a:rPr lang="de-DE" sz="900" dirty="0" smtClean="0"/>
+              <a:t>worden?“</a:t>
             </a:r>
             <a:br>
               <a:rPr lang="de-DE" sz="900" dirty="0" smtClean="0"/>
